--- a/Resources/ProteinGuide.pptx
+++ b/Resources/ProteinGuide.pptx
@@ -7,12 +7,13 @@
   <p:sldIdLst>
     <p:sldId id="263" r:id="rId2"/>
     <p:sldId id="257" r:id="rId3"/>
-    <p:sldId id="258" r:id="rId4"/>
-    <p:sldId id="259" r:id="rId5"/>
-    <p:sldId id="262" r:id="rId6"/>
-    <p:sldId id="256" r:id="rId7"/>
-    <p:sldId id="261" r:id="rId8"/>
-    <p:sldId id="260" r:id="rId9"/>
+    <p:sldId id="264" r:id="rId4"/>
+    <p:sldId id="258" r:id="rId5"/>
+    <p:sldId id="259" r:id="rId6"/>
+    <p:sldId id="262" r:id="rId7"/>
+    <p:sldId id="256" r:id="rId8"/>
+    <p:sldId id="261" r:id="rId9"/>
+    <p:sldId id="260" r:id="rId10"/>
   </p:sldIdLst>
   <p:sldSz cx="12192000" cy="6858000"/>
   <p:notesSz cx="6858000" cy="9144000"/>
@@ -118,6 +119,7 @@
           <p14:sldIdLst>
             <p14:sldId id="263"/>
             <p14:sldId id="257"/>
+            <p14:sldId id="264"/>
             <p14:sldId id="258"/>
             <p14:sldId id="259"/>
             <p14:sldId id="262"/>
@@ -3184,6 +3186,106 @@
       </p:grpSpPr>
       <p:pic>
         <p:nvPicPr>
+          <p:cNvPr id="3" name="Picture 2">
+            <a:extLst>
+              <a:ext uri="{FF2B5EF4-FFF2-40B4-BE49-F238E27FC236}">
+                <a16:creationId xmlns:a16="http://schemas.microsoft.com/office/drawing/2014/main" id="{93541BCE-4AB7-487E-B562-B4EABBC61213}"/>
+              </a:ext>
+            </a:extLst>
+          </p:cNvPr>
+          <p:cNvPicPr>
+            <a:picLocks noChangeAspect="1"/>
+          </p:cNvPicPr>
+          <p:nvPr/>
+        </p:nvPicPr>
+        <p:blipFill>
+          <a:blip r:embed="rId2">
+            <a:extLst>
+              <a:ext uri="{28A0092B-C50C-407E-A947-70E740481C1C}">
+                <a14:useLocalDpi xmlns:a14="http://schemas.microsoft.com/office/drawing/2010/main" val="0"/>
+              </a:ext>
+            </a:extLst>
+          </a:blip>
+          <a:srcRect/>
+          <a:stretch/>
+        </p:blipFill>
+        <p:spPr>
+          <a:xfrm>
+            <a:off x="320040" y="988887"/>
+            <a:ext cx="5464456" cy="4880226"/>
+          </a:xfrm>
+          <a:prstGeom prst="rect">
+            <a:avLst/>
+          </a:prstGeom>
+        </p:spPr>
+      </p:pic>
+      <p:pic>
+        <p:nvPicPr>
+          <p:cNvPr id="9" name="Picture 8">
+            <a:extLst>
+              <a:ext uri="{FF2B5EF4-FFF2-40B4-BE49-F238E27FC236}">
+                <a16:creationId xmlns:a16="http://schemas.microsoft.com/office/drawing/2014/main" id="{FCB3D9A8-54CC-480B-8007-8FB9D6DD3A52}"/>
+              </a:ext>
+            </a:extLst>
+          </p:cNvPr>
+          <p:cNvPicPr>
+            <a:picLocks noChangeAspect="1"/>
+          </p:cNvPicPr>
+          <p:nvPr/>
+        </p:nvPicPr>
+        <p:blipFill>
+          <a:blip r:embed="rId3">
+            <a:extLst>
+              <a:ext uri="{28A0092B-C50C-407E-A947-70E740481C1C}">
+                <a14:useLocalDpi xmlns:a14="http://schemas.microsoft.com/office/drawing/2010/main" val="0"/>
+              </a:ext>
+            </a:extLst>
+          </a:blip>
+          <a:srcRect/>
+          <a:stretch/>
+        </p:blipFill>
+        <p:spPr>
+          <a:xfrm>
+            <a:off x="6470617" y="349251"/>
+            <a:ext cx="5338233" cy="6159498"/>
+          </a:xfrm>
+          <a:prstGeom prst="rect">
+            <a:avLst/>
+          </a:prstGeom>
+        </p:spPr>
+      </p:pic>
+    </p:spTree>
+    <p:extLst>
+      <p:ext uri="{BB962C8B-B14F-4D97-AF65-F5344CB8AC3E}">
+        <p14:creationId xmlns:p14="http://schemas.microsoft.com/office/powerpoint/2010/main" val="1081151120"/>
+      </p:ext>
+    </p:extLst>
+  </p:cSld>
+  <p:clrMapOvr>
+    <a:masterClrMapping/>
+  </p:clrMapOvr>
+</p:sld>
+</file>
+
+<file path=ppt/slides/slide4.xml><?xml version="1.0" encoding="utf-8"?>
+<p:sld xmlns:a="http://schemas.openxmlformats.org/drawingml/2006/main" xmlns:r="http://schemas.openxmlformats.org/officeDocument/2006/relationships" xmlns:p="http://schemas.openxmlformats.org/presentationml/2006/main">
+  <p:cSld>
+    <p:spTree>
+      <p:nvGrpSpPr>
+        <p:cNvPr id="1" name=""/>
+        <p:cNvGrpSpPr/>
+        <p:nvPr/>
+      </p:nvGrpSpPr>
+      <p:grpSpPr>
+        <a:xfrm>
+          <a:off x="0" y="0"/>
+          <a:ext cx="0" cy="0"/>
+          <a:chOff x="0" y="0"/>
+          <a:chExt cx="0" cy="0"/>
+        </a:xfrm>
+      </p:grpSpPr>
+      <p:pic>
+        <p:nvPicPr>
           <p:cNvPr id="3" name="Picture 2" descr="A screenshot of a cell phone&#10;&#10;Description automatically generated">
             <a:extLst>
               <a:ext uri="{FF2B5EF4-FFF2-40B4-BE49-F238E27FC236}">
@@ -3266,7 +3368,7 @@
 </p:sld>
 </file>
 
-<file path=ppt/slides/slide4.xml><?xml version="1.0" encoding="utf-8"?>
+<file path=ppt/slides/slide5.xml><?xml version="1.0" encoding="utf-8"?>
 <p:sld xmlns:a="http://schemas.openxmlformats.org/drawingml/2006/main" xmlns:r="http://schemas.openxmlformats.org/officeDocument/2006/relationships" xmlns:p="http://schemas.openxmlformats.org/presentationml/2006/main">
   <p:cSld>
     <p:spTree>
@@ -3367,7 +3469,7 @@
 </p:sld>
 </file>
 
-<file path=ppt/slides/slide5.xml><?xml version="1.0" encoding="utf-8"?>
+<file path=ppt/slides/slide6.xml><?xml version="1.0" encoding="utf-8"?>
 <p:sld xmlns:a="http://schemas.openxmlformats.org/drawingml/2006/main" xmlns:r="http://schemas.openxmlformats.org/officeDocument/2006/relationships" xmlns:p="http://schemas.openxmlformats.org/presentationml/2006/main">
   <p:cSld>
     <p:spTree>
@@ -3468,7 +3570,7 @@
 </p:sld>
 </file>
 
-<file path=ppt/slides/slide6.xml><?xml version="1.0" encoding="utf-8"?>
+<file path=ppt/slides/slide7.xml><?xml version="1.0" encoding="utf-8"?>
 <p:sld xmlns:a="http://schemas.openxmlformats.org/drawingml/2006/main" xmlns:r="http://schemas.openxmlformats.org/officeDocument/2006/relationships" xmlns:p="http://schemas.openxmlformats.org/presentationml/2006/main">
   <p:cSld>
     <p:bg>
@@ -3577,7 +3679,7 @@
 </p:sld>
 </file>
 
-<file path=ppt/slides/slide7.xml><?xml version="1.0" encoding="utf-8"?>
+<file path=ppt/slides/slide8.xml><?xml version="1.0" encoding="utf-8"?>
 <p:sld xmlns:a="http://schemas.openxmlformats.org/drawingml/2006/main" xmlns:r="http://schemas.openxmlformats.org/officeDocument/2006/relationships" xmlns:p="http://schemas.openxmlformats.org/presentationml/2006/main">
   <p:cSld>
     <p:spTree>
@@ -3678,7 +3780,7 @@
 </p:sld>
 </file>
 
-<file path=ppt/slides/slide8.xml><?xml version="1.0" encoding="utf-8"?>
+<file path=ppt/slides/slide9.xml><?xml version="1.0" encoding="utf-8"?>
 <p:sld xmlns:a="http://schemas.openxmlformats.org/drawingml/2006/main" xmlns:r="http://schemas.openxmlformats.org/officeDocument/2006/relationships" xmlns:p="http://schemas.openxmlformats.org/presentationml/2006/main">
   <p:cSld>
     <p:spTree>

--- a/Resources/ProteinGuide.pptx
+++ b/Resources/ProteinGuide.pptx
@@ -268,7 +268,7 @@
           <a:p>
             <a:fld id="{E9BF1F2D-2AEF-4074-BE6D-430396F80950}" type="datetimeFigureOut">
               <a:rPr lang="en-US" smtClean="0"/>
-              <a:t>3/29/2020</a:t>
+              <a:t>4/6/2020</a:t>
             </a:fld>
             <a:endParaRPr lang="en-US"/>
           </a:p>
@@ -438,7 +438,7 @@
           <a:p>
             <a:fld id="{E9BF1F2D-2AEF-4074-BE6D-430396F80950}" type="datetimeFigureOut">
               <a:rPr lang="en-US" smtClean="0"/>
-              <a:t>3/29/2020</a:t>
+              <a:t>4/6/2020</a:t>
             </a:fld>
             <a:endParaRPr lang="en-US"/>
           </a:p>
@@ -618,7 +618,7 @@
           <a:p>
             <a:fld id="{E9BF1F2D-2AEF-4074-BE6D-430396F80950}" type="datetimeFigureOut">
               <a:rPr lang="en-US" smtClean="0"/>
-              <a:t>3/29/2020</a:t>
+              <a:t>4/6/2020</a:t>
             </a:fld>
             <a:endParaRPr lang="en-US"/>
           </a:p>
@@ -788,7 +788,7 @@
           <a:p>
             <a:fld id="{E9BF1F2D-2AEF-4074-BE6D-430396F80950}" type="datetimeFigureOut">
               <a:rPr lang="en-US" smtClean="0"/>
-              <a:t>3/29/2020</a:t>
+              <a:t>4/6/2020</a:t>
             </a:fld>
             <a:endParaRPr lang="en-US"/>
           </a:p>
@@ -1032,7 +1032,7 @@
           <a:p>
             <a:fld id="{E9BF1F2D-2AEF-4074-BE6D-430396F80950}" type="datetimeFigureOut">
               <a:rPr lang="en-US" smtClean="0"/>
-              <a:t>3/29/2020</a:t>
+              <a:t>4/6/2020</a:t>
             </a:fld>
             <a:endParaRPr lang="en-US"/>
           </a:p>
@@ -1264,7 +1264,7 @@
           <a:p>
             <a:fld id="{E9BF1F2D-2AEF-4074-BE6D-430396F80950}" type="datetimeFigureOut">
               <a:rPr lang="en-US" smtClean="0"/>
-              <a:t>3/29/2020</a:t>
+              <a:t>4/6/2020</a:t>
             </a:fld>
             <a:endParaRPr lang="en-US"/>
           </a:p>
@@ -1631,7 +1631,7 @@
           <a:p>
             <a:fld id="{E9BF1F2D-2AEF-4074-BE6D-430396F80950}" type="datetimeFigureOut">
               <a:rPr lang="en-US" smtClean="0"/>
-              <a:t>3/29/2020</a:t>
+              <a:t>4/6/2020</a:t>
             </a:fld>
             <a:endParaRPr lang="en-US"/>
           </a:p>
@@ -1749,7 +1749,7 @@
           <a:p>
             <a:fld id="{E9BF1F2D-2AEF-4074-BE6D-430396F80950}" type="datetimeFigureOut">
               <a:rPr lang="en-US" smtClean="0"/>
-              <a:t>3/29/2020</a:t>
+              <a:t>4/6/2020</a:t>
             </a:fld>
             <a:endParaRPr lang="en-US"/>
           </a:p>
@@ -1844,7 +1844,7 @@
           <a:p>
             <a:fld id="{E9BF1F2D-2AEF-4074-BE6D-430396F80950}" type="datetimeFigureOut">
               <a:rPr lang="en-US" smtClean="0"/>
-              <a:t>3/29/2020</a:t>
+              <a:t>4/6/2020</a:t>
             </a:fld>
             <a:endParaRPr lang="en-US"/>
           </a:p>
@@ -2121,7 +2121,7 @@
           <a:p>
             <a:fld id="{E9BF1F2D-2AEF-4074-BE6D-430396F80950}" type="datetimeFigureOut">
               <a:rPr lang="en-US" smtClean="0"/>
-              <a:t>3/29/2020</a:t>
+              <a:t>4/6/2020</a:t>
             </a:fld>
             <a:endParaRPr lang="en-US"/>
           </a:p>
@@ -2378,7 +2378,7 @@
           <a:p>
             <a:fld id="{E9BF1F2D-2AEF-4074-BE6D-430396F80950}" type="datetimeFigureOut">
               <a:rPr lang="en-US" smtClean="0"/>
-              <a:t>3/29/2020</a:t>
+              <a:t>4/6/2020</a:t>
             </a:fld>
             <a:endParaRPr lang="en-US"/>
           </a:p>
@@ -2591,7 +2591,7 @@
           <a:p>
             <a:fld id="{E9BF1F2D-2AEF-4074-BE6D-430396F80950}" type="datetimeFigureOut">
               <a:rPr lang="en-US" smtClean="0"/>
-              <a:t>3/29/2020</a:t>
+              <a:t>4/6/2020</a:t>
             </a:fld>
             <a:endParaRPr lang="en-US"/>
           </a:p>
@@ -3085,7 +3085,7 @@
       </p:grpSpPr>
       <p:pic>
         <p:nvPicPr>
-          <p:cNvPr id="3" name="Picture 2" descr="A screenshot of a cell phone&#10;&#10;Description automatically generated">
+          <p:cNvPr id="3" name="Picture 2" descr="Chicken breast nutritional label: Serving size 4 oz. (113 g)., calories 160, total fat 3g (5%), saturated fat 0g, polyunsaturated fat 0g, monounsaturated fat 0g, total carbohydrates 0g (0%), dietary fiber 0g, sugars 0g, proteins 35g (23%)">
             <a:extLst>
               <a:ext uri="{FF2B5EF4-FFF2-40B4-BE49-F238E27FC236}">
                 <a16:creationId xmlns:a16="http://schemas.microsoft.com/office/drawing/2014/main" id="{93541BCE-4AB7-487E-B562-B4EABBC61213}"/>
@@ -3105,9 +3105,8 @@
               </a:ext>
             </a:extLst>
           </a:blip>
-          <a:stretch>
-            <a:fillRect/>
-          </a:stretch>
+          <a:srcRect/>
+          <a:stretch/>
         </p:blipFill>
         <p:spPr>
           <a:xfrm>
@@ -3121,7 +3120,7 @@
       </p:pic>
       <p:pic>
         <p:nvPicPr>
-          <p:cNvPr id="9" name="Picture 8">
+          <p:cNvPr id="9" name="Picture 8" descr="Chicken breast food tracker showing 15% fat, 0% carbs, and 85% protein">
             <a:extLst>
               <a:ext uri="{FF2B5EF4-FFF2-40B4-BE49-F238E27FC236}">
                 <a16:creationId xmlns:a16="http://schemas.microsoft.com/office/drawing/2014/main" id="{FCB3D9A8-54CC-480B-8007-8FB9D6DD3A52}"/>
@@ -3186,7 +3185,7 @@
       </p:grpSpPr>
       <p:pic>
         <p:nvPicPr>
-          <p:cNvPr id="3" name="Picture 2">
+          <p:cNvPr id="3" name="Picture 2" descr="Nonfat Greek yogurt nutritional label: Serving size 1 cup, calories 90, total fat 0g (0%), saturated fat 0g, polyunsaturated fat 0g, monounsaturated fat 0g, total carbohydrates 5g (5%), dietary fiber 0g, sugars 5g, proteins 18g (12%)">
             <a:extLst>
               <a:ext uri="{FF2B5EF4-FFF2-40B4-BE49-F238E27FC236}">
                 <a16:creationId xmlns:a16="http://schemas.microsoft.com/office/drawing/2014/main" id="{93541BCE-4AB7-487E-B562-B4EABBC61213}"/>
@@ -3221,7 +3220,7 @@
       </p:pic>
       <p:pic>
         <p:nvPicPr>
-          <p:cNvPr id="9" name="Picture 8">
+          <p:cNvPr id="9" name="Picture 8" descr="Nonfat Greek yogurt food tracker showing 0% fat, 22% carbs, and 78% protein">
             <a:extLst>
               <a:ext uri="{FF2B5EF4-FFF2-40B4-BE49-F238E27FC236}">
                 <a16:creationId xmlns:a16="http://schemas.microsoft.com/office/drawing/2014/main" id="{FCB3D9A8-54CC-480B-8007-8FB9D6DD3A52}"/>
@@ -3286,7 +3285,7 @@
       </p:grpSpPr>
       <p:pic>
         <p:nvPicPr>
-          <p:cNvPr id="3" name="Picture 2" descr="A screenshot of a cell phone&#10;&#10;Description automatically generated">
+          <p:cNvPr id="3" name="Picture 2" descr="Ground beef nutritional label: Serving size 4 oz. (113 g)., calories 308, total fat 21g (36%), saturated fat 8g, polyunsaturated fat 0g, monounsaturated fat 0g, total carbohydrates 0g (0%), dietary fiber 0g, sugars 0g, proteins 28g (19%)">
             <a:extLst>
               <a:ext uri="{FF2B5EF4-FFF2-40B4-BE49-F238E27FC236}">
                 <a16:creationId xmlns:a16="http://schemas.microsoft.com/office/drawing/2014/main" id="{2E274029-3CB9-4D3F-8CEB-63C4F6EA58A2}"/>
@@ -3306,9 +3305,8 @@
               </a:ext>
             </a:extLst>
           </a:blip>
-          <a:stretch>
-            <a:fillRect/>
-          </a:stretch>
+          <a:srcRect/>
+          <a:stretch/>
         </p:blipFill>
         <p:spPr>
           <a:xfrm>
@@ -3322,7 +3320,7 @@
       </p:pic>
       <p:pic>
         <p:nvPicPr>
-          <p:cNvPr id="9" name="Picture 8">
+          <p:cNvPr id="9" name="Picture 8" descr="Ground beef food tracker showing 62% fat, 0% carbs, and 38% protein">
             <a:extLst>
               <a:ext uri="{FF2B5EF4-FFF2-40B4-BE49-F238E27FC236}">
                 <a16:creationId xmlns:a16="http://schemas.microsoft.com/office/drawing/2014/main" id="{1DD3E820-548F-49FD-9BC0-B37D771125A6}"/>
@@ -3387,7 +3385,7 @@
       </p:grpSpPr>
       <p:pic>
         <p:nvPicPr>
-          <p:cNvPr id="3" name="Picture 2" descr="A screenshot of a cell phone&#10;&#10;Description automatically generated">
+          <p:cNvPr id="3" name="Picture 2" descr="Ground turkey nutritional label: Serving size 4 oz. (113 g)., calories 168, total fat 9g (15%), saturated fat 2g, polyunsaturated fat 2.5g, monounsaturated fat 3g, total carbohydrates 0g (0%), dietary fiber 0g, sugars 0g, proteins 22g (15%)">
             <a:extLst>
               <a:ext uri="{FF2B5EF4-FFF2-40B4-BE49-F238E27FC236}">
                 <a16:creationId xmlns:a16="http://schemas.microsoft.com/office/drawing/2014/main" id="{D4094881-8A73-4191-88C5-AE902DAF078D}"/>
@@ -3407,9 +3405,8 @@
               </a:ext>
             </a:extLst>
           </a:blip>
-          <a:stretch>
-            <a:fillRect/>
-          </a:stretch>
+          <a:srcRect/>
+          <a:stretch/>
         </p:blipFill>
         <p:spPr>
           <a:xfrm>
@@ -3423,7 +3420,7 @@
       </p:pic>
       <p:pic>
         <p:nvPicPr>
-          <p:cNvPr id="9" name="Picture 8">
+          <p:cNvPr id="9" name="Picture 8" descr="Ground turkey food tracker showing 47% fat, 0% carbs, and 53% protein">
             <a:extLst>
               <a:ext uri="{FF2B5EF4-FFF2-40B4-BE49-F238E27FC236}">
                 <a16:creationId xmlns:a16="http://schemas.microsoft.com/office/drawing/2014/main" id="{0E8E4F9C-C06E-4F2A-8A32-0ECA26EDE1D5}"/>
@@ -3488,7 +3485,7 @@
       </p:grpSpPr>
       <p:pic>
         <p:nvPicPr>
-          <p:cNvPr id="3" name="Picture 2" descr="A screenshot of a cell phone&#10;&#10;Description automatically generated">
+          <p:cNvPr id="3" name="Picture 2" descr="Protein shake nutritional label: Serving size 4 oz. (236 ml)., calories 200, total fat 4g (7%), saturated fat 0g, polyunsaturated fat 0g, monounsaturated fat 0g, total carbohydrates 8g (9%), dietary fiber 0g, sugars 3g, proteins 30g (20%)">
             <a:extLst>
               <a:ext uri="{FF2B5EF4-FFF2-40B4-BE49-F238E27FC236}">
                 <a16:creationId xmlns:a16="http://schemas.microsoft.com/office/drawing/2014/main" id="{5A7052CE-EF89-497E-A5CA-5BEC081A231F}"/>
@@ -3508,9 +3505,8 @@
               </a:ext>
             </a:extLst>
           </a:blip>
-          <a:stretch>
-            <a:fillRect/>
-          </a:stretch>
+          <a:srcRect/>
+          <a:stretch/>
         </p:blipFill>
         <p:spPr>
           <a:xfrm>
@@ -3524,7 +3520,7 @@
       </p:pic>
       <p:pic>
         <p:nvPicPr>
-          <p:cNvPr id="9" name="Picture 8">
+          <p:cNvPr id="9" name="Picture 8" descr="Protein shake food tracker showing 19% fat, 17% carbs, and 64% protein">
             <a:extLst>
               <a:ext uri="{FF2B5EF4-FFF2-40B4-BE49-F238E27FC236}">
                 <a16:creationId xmlns:a16="http://schemas.microsoft.com/office/drawing/2014/main" id="{AA421ED5-228F-4ACC-9C2F-54AA94CD57F4}"/>
@@ -3597,7 +3593,7 @@
       </p:grpSpPr>
       <p:pic>
         <p:nvPicPr>
-          <p:cNvPr id="11" name="Picture 10">
+          <p:cNvPr id="11" name="Picture 10" descr="Salmon food tracker showing 59% fat, 0% carbs, and 41% protein">
             <a:extLst>
               <a:ext uri="{FF2B5EF4-FFF2-40B4-BE49-F238E27FC236}">
                 <a16:creationId xmlns:a16="http://schemas.microsoft.com/office/drawing/2014/main" id="{D976D418-E3A2-4580-B393-F4B56AAE9934}"/>
@@ -3632,7 +3628,7 @@
       </p:pic>
       <p:pic>
         <p:nvPicPr>
-          <p:cNvPr id="13" name="Picture 12" descr="A screenshot of a cell phone&#10;&#10;Description automatically generated">
+          <p:cNvPr id="13" name="Picture 12" descr="Salmon nutritional label: Serving size 4 oz. (113 g)., calories 236, total fat 15g (25%), saturated fat 3g, polyunsaturated fat 4g, monounsaturated fat 4g, total carbohydrates 0g (0%), dietary fiber 0g, sugars 0g, proteins 23g (15%)">
             <a:extLst>
               <a:ext uri="{FF2B5EF4-FFF2-40B4-BE49-F238E27FC236}">
                 <a16:creationId xmlns:a16="http://schemas.microsoft.com/office/drawing/2014/main" id="{B57C9DB3-7DA4-4213-A1B6-F73520C0DA89}"/>
@@ -3652,9 +3648,8 @@
               </a:ext>
             </a:extLst>
           </a:blip>
-          <a:stretch>
-            <a:fillRect/>
-          </a:stretch>
+          <a:srcRect/>
+          <a:stretch/>
         </p:blipFill>
         <p:spPr>
           <a:xfrm>
@@ -3698,7 +3693,7 @@
       </p:grpSpPr>
       <p:pic>
         <p:nvPicPr>
-          <p:cNvPr id="3" name="Picture 2" descr="A screenshot of a cell phone&#10;&#10;Description automatically generated">
+          <p:cNvPr id="3" name="Picture 2" descr="Shrimp nutritional label: Serving size 4 oz. (113 g)., calories 90, total fat 0.5g (5%), saturated fat 0g, polyunsaturated fat 0g, monounsaturated fat 0g, total carbohydrates 0g (0%), dietary fiber 0g, sugars 0g, proteins 22g (15%)">
             <a:extLst>
               <a:ext uri="{FF2B5EF4-FFF2-40B4-BE49-F238E27FC236}">
                 <a16:creationId xmlns:a16="http://schemas.microsoft.com/office/drawing/2014/main" id="{7DA2B48C-E43C-4354-BAC5-EA0669D7D939}"/>
@@ -3718,9 +3713,8 @@
               </a:ext>
             </a:extLst>
           </a:blip>
-          <a:stretch>
-            <a:fillRect/>
-          </a:stretch>
+          <a:srcRect/>
+          <a:stretch/>
         </p:blipFill>
         <p:spPr>
           <a:xfrm>
@@ -3799,7 +3793,7 @@
       </p:grpSpPr>
       <p:pic>
         <p:nvPicPr>
-          <p:cNvPr id="3" name="Picture 2" descr="A screenshot of a cell phone&#10;&#10;Description automatically generated">
+          <p:cNvPr id="3" name="Picture 2" descr="Tofu nutritional label: Serving size 4 oz. (113 g)., calories 86, total fat 5g (9%), saturated fat 1g, polyunsaturated fat 3g, monounsaturated fat 1g, total carbohydrates 2g (2%), dietary fiber 0.5g, sugars 0g, proteins 9g (6%)">
             <a:extLst>
               <a:ext uri="{FF2B5EF4-FFF2-40B4-BE49-F238E27FC236}">
                 <a16:creationId xmlns:a16="http://schemas.microsoft.com/office/drawing/2014/main" id="{8F732D9E-B16A-4CE0-83A2-74102A49EDF9}"/>
@@ -3819,9 +3813,8 @@
               </a:ext>
             </a:extLst>
           </a:blip>
-          <a:stretch>
-            <a:fillRect/>
-          </a:stretch>
+          <a:srcRect/>
+          <a:stretch/>
         </p:blipFill>
         <p:spPr>
           <a:xfrm>
@@ -3835,7 +3828,7 @@
       </p:pic>
       <p:pic>
         <p:nvPicPr>
-          <p:cNvPr id="9" name="Picture 8">
+          <p:cNvPr id="9" name="Picture 8" descr="Tofu food tracker showing 52% fat, 9% carbs, and 39% protein">
             <a:extLst>
               <a:ext uri="{FF2B5EF4-FFF2-40B4-BE49-F238E27FC236}">
                 <a16:creationId xmlns:a16="http://schemas.microsoft.com/office/drawing/2014/main" id="{A3B83438-F7D5-46F7-84C0-5BD830BB4C3B}"/>

--- a/Resources/ProteinGuide.pptx
+++ b/Resources/ProteinGuide.pptx
@@ -7,9 +7,9 @@
   <p:sldIdLst>
     <p:sldId id="263" r:id="rId2"/>
     <p:sldId id="257" r:id="rId3"/>
-    <p:sldId id="264" r:id="rId4"/>
-    <p:sldId id="258" r:id="rId5"/>
-    <p:sldId id="259" r:id="rId6"/>
+    <p:sldId id="258" r:id="rId4"/>
+    <p:sldId id="259" r:id="rId5"/>
+    <p:sldId id="264" r:id="rId6"/>
     <p:sldId id="262" r:id="rId7"/>
     <p:sldId id="256" r:id="rId8"/>
     <p:sldId id="261" r:id="rId9"/>
@@ -119,9 +119,9 @@
           <p14:sldIdLst>
             <p14:sldId id="263"/>
             <p14:sldId id="257"/>
-            <p14:sldId id="264"/>
             <p14:sldId id="258"/>
             <p14:sldId id="259"/>
+            <p14:sldId id="264"/>
             <p14:sldId id="262"/>
             <p14:sldId id="256"/>
             <p14:sldId id="261"/>
@@ -3185,106 +3185,6 @@
       </p:grpSpPr>
       <p:pic>
         <p:nvPicPr>
-          <p:cNvPr id="3" name="Picture 2" descr="Nonfat Greek yogurt nutritional label: Serving size 1 cup, calories 90, total fat 0g (0%), saturated fat 0g, polyunsaturated fat 0g, monounsaturated fat 0g, total carbohydrates 5g (5%), dietary fiber 0g, sugars 5g, proteins 18g (12%)">
-            <a:extLst>
-              <a:ext uri="{FF2B5EF4-FFF2-40B4-BE49-F238E27FC236}">
-                <a16:creationId xmlns:a16="http://schemas.microsoft.com/office/drawing/2014/main" id="{93541BCE-4AB7-487E-B562-B4EABBC61213}"/>
-              </a:ext>
-            </a:extLst>
-          </p:cNvPr>
-          <p:cNvPicPr>
-            <a:picLocks noChangeAspect="1"/>
-          </p:cNvPicPr>
-          <p:nvPr/>
-        </p:nvPicPr>
-        <p:blipFill>
-          <a:blip r:embed="rId2">
-            <a:extLst>
-              <a:ext uri="{28A0092B-C50C-407E-A947-70E740481C1C}">
-                <a14:useLocalDpi xmlns:a14="http://schemas.microsoft.com/office/drawing/2010/main" val="0"/>
-              </a:ext>
-            </a:extLst>
-          </a:blip>
-          <a:srcRect/>
-          <a:stretch/>
-        </p:blipFill>
-        <p:spPr>
-          <a:xfrm>
-            <a:off x="320040" y="988887"/>
-            <a:ext cx="5464456" cy="4880226"/>
-          </a:xfrm>
-          <a:prstGeom prst="rect">
-            <a:avLst/>
-          </a:prstGeom>
-        </p:spPr>
-      </p:pic>
-      <p:pic>
-        <p:nvPicPr>
-          <p:cNvPr id="9" name="Picture 8" descr="Nonfat Greek yogurt food tracker showing 0% fat, 22% carbs, and 78% protein">
-            <a:extLst>
-              <a:ext uri="{FF2B5EF4-FFF2-40B4-BE49-F238E27FC236}">
-                <a16:creationId xmlns:a16="http://schemas.microsoft.com/office/drawing/2014/main" id="{FCB3D9A8-54CC-480B-8007-8FB9D6DD3A52}"/>
-              </a:ext>
-            </a:extLst>
-          </p:cNvPr>
-          <p:cNvPicPr>
-            <a:picLocks noChangeAspect="1"/>
-          </p:cNvPicPr>
-          <p:nvPr/>
-        </p:nvPicPr>
-        <p:blipFill>
-          <a:blip r:embed="rId3">
-            <a:extLst>
-              <a:ext uri="{28A0092B-C50C-407E-A947-70E740481C1C}">
-                <a14:useLocalDpi xmlns:a14="http://schemas.microsoft.com/office/drawing/2010/main" val="0"/>
-              </a:ext>
-            </a:extLst>
-          </a:blip>
-          <a:srcRect/>
-          <a:stretch/>
-        </p:blipFill>
-        <p:spPr>
-          <a:xfrm>
-            <a:off x="6470617" y="349251"/>
-            <a:ext cx="5338233" cy="6159498"/>
-          </a:xfrm>
-          <a:prstGeom prst="rect">
-            <a:avLst/>
-          </a:prstGeom>
-        </p:spPr>
-      </p:pic>
-    </p:spTree>
-    <p:extLst>
-      <p:ext uri="{BB962C8B-B14F-4D97-AF65-F5344CB8AC3E}">
-        <p14:creationId xmlns:p14="http://schemas.microsoft.com/office/powerpoint/2010/main" val="1081151120"/>
-      </p:ext>
-    </p:extLst>
-  </p:cSld>
-  <p:clrMapOvr>
-    <a:masterClrMapping/>
-  </p:clrMapOvr>
-</p:sld>
-</file>
-
-<file path=ppt/slides/slide4.xml><?xml version="1.0" encoding="utf-8"?>
-<p:sld xmlns:a="http://schemas.openxmlformats.org/drawingml/2006/main" xmlns:r="http://schemas.openxmlformats.org/officeDocument/2006/relationships" xmlns:p="http://schemas.openxmlformats.org/presentationml/2006/main">
-  <p:cSld>
-    <p:spTree>
-      <p:nvGrpSpPr>
-        <p:cNvPr id="1" name=""/>
-        <p:cNvGrpSpPr/>
-        <p:nvPr/>
-      </p:nvGrpSpPr>
-      <p:grpSpPr>
-        <a:xfrm>
-          <a:off x="0" y="0"/>
-          <a:ext cx="0" cy="0"/>
-          <a:chOff x="0" y="0"/>
-          <a:chExt cx="0" cy="0"/>
-        </a:xfrm>
-      </p:grpSpPr>
-      <p:pic>
-        <p:nvPicPr>
           <p:cNvPr id="3" name="Picture 2" descr="Ground beef nutritional label: Serving size 4 oz. (113 g)., calories 308, total fat 21g (36%), saturated fat 8g, polyunsaturated fat 0g, monounsaturated fat 0g, total carbohydrates 0g (0%), dietary fiber 0g, sugars 0g, proteins 28g (19%)">
             <a:extLst>
               <a:ext uri="{FF2B5EF4-FFF2-40B4-BE49-F238E27FC236}">
@@ -3366,7 +3266,7 @@
 </p:sld>
 </file>
 
-<file path=ppt/slides/slide5.xml><?xml version="1.0" encoding="utf-8"?>
+<file path=ppt/slides/slide4.xml><?xml version="1.0" encoding="utf-8"?>
 <p:sld xmlns:a="http://schemas.openxmlformats.org/drawingml/2006/main" xmlns:r="http://schemas.openxmlformats.org/officeDocument/2006/relationships" xmlns:p="http://schemas.openxmlformats.org/presentationml/2006/main">
   <p:cSld>
     <p:spTree>
@@ -3457,6 +3357,106 @@
     <p:extLst>
       <p:ext uri="{BB962C8B-B14F-4D97-AF65-F5344CB8AC3E}">
         <p14:creationId xmlns:p14="http://schemas.microsoft.com/office/powerpoint/2010/main" val="90669892"/>
+      </p:ext>
+    </p:extLst>
+  </p:cSld>
+  <p:clrMapOvr>
+    <a:masterClrMapping/>
+  </p:clrMapOvr>
+</p:sld>
+</file>
+
+<file path=ppt/slides/slide5.xml><?xml version="1.0" encoding="utf-8"?>
+<p:sld xmlns:a="http://schemas.openxmlformats.org/drawingml/2006/main" xmlns:r="http://schemas.openxmlformats.org/officeDocument/2006/relationships" xmlns:p="http://schemas.openxmlformats.org/presentationml/2006/main">
+  <p:cSld>
+    <p:spTree>
+      <p:nvGrpSpPr>
+        <p:cNvPr id="1" name=""/>
+        <p:cNvGrpSpPr/>
+        <p:nvPr/>
+      </p:nvGrpSpPr>
+      <p:grpSpPr>
+        <a:xfrm>
+          <a:off x="0" y="0"/>
+          <a:ext cx="0" cy="0"/>
+          <a:chOff x="0" y="0"/>
+          <a:chExt cx="0" cy="0"/>
+        </a:xfrm>
+      </p:grpSpPr>
+      <p:pic>
+        <p:nvPicPr>
+          <p:cNvPr id="3" name="Picture 2" descr="Nonfat Greek yogurt nutritional label: Serving size 1 cup, calories 90, total fat 0g (0%), saturated fat 0g, polyunsaturated fat 0g, monounsaturated fat 0g, total carbohydrates 5g (5%), dietary fiber 0g, sugars 5g, proteins 18g (12%)">
+            <a:extLst>
+              <a:ext uri="{FF2B5EF4-FFF2-40B4-BE49-F238E27FC236}">
+                <a16:creationId xmlns:a16="http://schemas.microsoft.com/office/drawing/2014/main" id="{93541BCE-4AB7-487E-B562-B4EABBC61213}"/>
+              </a:ext>
+            </a:extLst>
+          </p:cNvPr>
+          <p:cNvPicPr>
+            <a:picLocks noChangeAspect="1"/>
+          </p:cNvPicPr>
+          <p:nvPr/>
+        </p:nvPicPr>
+        <p:blipFill>
+          <a:blip r:embed="rId2">
+            <a:extLst>
+              <a:ext uri="{28A0092B-C50C-407E-A947-70E740481C1C}">
+                <a14:useLocalDpi xmlns:a14="http://schemas.microsoft.com/office/drawing/2010/main" val="0"/>
+              </a:ext>
+            </a:extLst>
+          </a:blip>
+          <a:srcRect/>
+          <a:stretch/>
+        </p:blipFill>
+        <p:spPr>
+          <a:xfrm>
+            <a:off x="320040" y="988887"/>
+            <a:ext cx="5464456" cy="4880226"/>
+          </a:xfrm>
+          <a:prstGeom prst="rect">
+            <a:avLst/>
+          </a:prstGeom>
+        </p:spPr>
+      </p:pic>
+      <p:pic>
+        <p:nvPicPr>
+          <p:cNvPr id="9" name="Picture 8" descr="Nonfat Greek yogurt food tracker showing 0% fat, 22% carbs, and 78% protein">
+            <a:extLst>
+              <a:ext uri="{FF2B5EF4-FFF2-40B4-BE49-F238E27FC236}">
+                <a16:creationId xmlns:a16="http://schemas.microsoft.com/office/drawing/2014/main" id="{FCB3D9A8-54CC-480B-8007-8FB9D6DD3A52}"/>
+              </a:ext>
+            </a:extLst>
+          </p:cNvPr>
+          <p:cNvPicPr>
+            <a:picLocks noChangeAspect="1"/>
+          </p:cNvPicPr>
+          <p:nvPr/>
+        </p:nvPicPr>
+        <p:blipFill>
+          <a:blip r:embed="rId3">
+            <a:extLst>
+              <a:ext uri="{28A0092B-C50C-407E-A947-70E740481C1C}">
+                <a14:useLocalDpi xmlns:a14="http://schemas.microsoft.com/office/drawing/2010/main" val="0"/>
+              </a:ext>
+            </a:extLst>
+          </a:blip>
+          <a:srcRect/>
+          <a:stretch/>
+        </p:blipFill>
+        <p:spPr>
+          <a:xfrm>
+            <a:off x="6470617" y="349251"/>
+            <a:ext cx="5338233" cy="6159498"/>
+          </a:xfrm>
+          <a:prstGeom prst="rect">
+            <a:avLst/>
+          </a:prstGeom>
+        </p:spPr>
+      </p:pic>
+    </p:spTree>
+    <p:extLst>
+      <p:ext uri="{BB962C8B-B14F-4D97-AF65-F5344CB8AC3E}">
+        <p14:creationId xmlns:p14="http://schemas.microsoft.com/office/powerpoint/2010/main" val="1081151120"/>
       </p:ext>
     </p:extLst>
   </p:cSld>

--- a/Resources/ProteinGuide.pptx
+++ b/Resources/ProteinGuide.pptx
@@ -268,7 +268,7 @@
           <a:p>
             <a:fld id="{E9BF1F2D-2AEF-4074-BE6D-430396F80950}" type="datetimeFigureOut">
               <a:rPr lang="en-US" smtClean="0"/>
-              <a:t>4/6/2020</a:t>
+              <a:t>4/20/2020</a:t>
             </a:fld>
             <a:endParaRPr lang="en-US"/>
           </a:p>
@@ -438,7 +438,7 @@
           <a:p>
             <a:fld id="{E9BF1F2D-2AEF-4074-BE6D-430396F80950}" type="datetimeFigureOut">
               <a:rPr lang="en-US" smtClean="0"/>
-              <a:t>4/6/2020</a:t>
+              <a:t>4/20/2020</a:t>
             </a:fld>
             <a:endParaRPr lang="en-US"/>
           </a:p>
@@ -618,7 +618,7 @@
           <a:p>
             <a:fld id="{E9BF1F2D-2AEF-4074-BE6D-430396F80950}" type="datetimeFigureOut">
               <a:rPr lang="en-US" smtClean="0"/>
-              <a:t>4/6/2020</a:t>
+              <a:t>4/20/2020</a:t>
             </a:fld>
             <a:endParaRPr lang="en-US"/>
           </a:p>
@@ -788,7 +788,7 @@
           <a:p>
             <a:fld id="{E9BF1F2D-2AEF-4074-BE6D-430396F80950}" type="datetimeFigureOut">
               <a:rPr lang="en-US" smtClean="0"/>
-              <a:t>4/6/2020</a:t>
+              <a:t>4/20/2020</a:t>
             </a:fld>
             <a:endParaRPr lang="en-US"/>
           </a:p>
@@ -1032,7 +1032,7 @@
           <a:p>
             <a:fld id="{E9BF1F2D-2AEF-4074-BE6D-430396F80950}" type="datetimeFigureOut">
               <a:rPr lang="en-US" smtClean="0"/>
-              <a:t>4/6/2020</a:t>
+              <a:t>4/20/2020</a:t>
             </a:fld>
             <a:endParaRPr lang="en-US"/>
           </a:p>
@@ -1264,7 +1264,7 @@
           <a:p>
             <a:fld id="{E9BF1F2D-2AEF-4074-BE6D-430396F80950}" type="datetimeFigureOut">
               <a:rPr lang="en-US" smtClean="0"/>
-              <a:t>4/6/2020</a:t>
+              <a:t>4/20/2020</a:t>
             </a:fld>
             <a:endParaRPr lang="en-US"/>
           </a:p>
@@ -1631,7 +1631,7 @@
           <a:p>
             <a:fld id="{E9BF1F2D-2AEF-4074-BE6D-430396F80950}" type="datetimeFigureOut">
               <a:rPr lang="en-US" smtClean="0"/>
-              <a:t>4/6/2020</a:t>
+              <a:t>4/20/2020</a:t>
             </a:fld>
             <a:endParaRPr lang="en-US"/>
           </a:p>
@@ -1749,7 +1749,7 @@
           <a:p>
             <a:fld id="{E9BF1F2D-2AEF-4074-BE6D-430396F80950}" type="datetimeFigureOut">
               <a:rPr lang="en-US" smtClean="0"/>
-              <a:t>4/6/2020</a:t>
+              <a:t>4/20/2020</a:t>
             </a:fld>
             <a:endParaRPr lang="en-US"/>
           </a:p>
@@ -1844,7 +1844,7 @@
           <a:p>
             <a:fld id="{E9BF1F2D-2AEF-4074-BE6D-430396F80950}" type="datetimeFigureOut">
               <a:rPr lang="en-US" smtClean="0"/>
-              <a:t>4/6/2020</a:t>
+              <a:t>4/20/2020</a:t>
             </a:fld>
             <a:endParaRPr lang="en-US"/>
           </a:p>
@@ -2121,7 +2121,7 @@
           <a:p>
             <a:fld id="{E9BF1F2D-2AEF-4074-BE6D-430396F80950}" type="datetimeFigureOut">
               <a:rPr lang="en-US" smtClean="0"/>
-              <a:t>4/6/2020</a:t>
+              <a:t>4/20/2020</a:t>
             </a:fld>
             <a:endParaRPr lang="en-US"/>
           </a:p>
@@ -2378,7 +2378,7 @@
           <a:p>
             <a:fld id="{E9BF1F2D-2AEF-4074-BE6D-430396F80950}" type="datetimeFigureOut">
               <a:rPr lang="en-US" smtClean="0"/>
-              <a:t>4/6/2020</a:t>
+              <a:t>4/20/2020</a:t>
             </a:fld>
             <a:endParaRPr lang="en-US"/>
           </a:p>
@@ -2591,7 +2591,7 @@
           <a:p>
             <a:fld id="{E9BF1F2D-2AEF-4074-BE6D-430396F80950}" type="datetimeFigureOut">
               <a:rPr lang="en-US" smtClean="0"/>
-              <a:t>4/6/2020</a:t>
+              <a:t>4/20/2020</a:t>
             </a:fld>
             <a:endParaRPr lang="en-US"/>
           </a:p>
@@ -3019,11 +3019,24 @@
           <a:p>
             <a:pPr algn="ctr"/>
             <a:r>
-              <a:rPr lang="en-US" dirty="0">
-                <a:latin typeface="FuturaHandwritten" panose="02000603000000000000" pitchFamily="2" charset="0"/>
+              <a:rPr lang="en-US">
+                <a:solidFill>
+                  <a:srgbClr val="7030A0"/>
+                </a:solidFill>
+                <a:latin typeface="Peace Sans" panose="02000505040000020004" pitchFamily="50" charset="0"/>
                 <a:ea typeface="FuturaHandwritten" panose="02000603000000000000" pitchFamily="2" charset="0"/>
               </a:rPr>
-              <a:t>Proteins</a:t>
+              <a:t>Protein </a:t>
+            </a:r>
+            <a:r>
+              <a:rPr lang="en-US" dirty="0">
+                <a:solidFill>
+                  <a:srgbClr val="7030A0"/>
+                </a:solidFill>
+                <a:latin typeface="Peace Sans" panose="02000505040000020004" pitchFamily="50" charset="0"/>
+                <a:ea typeface="FuturaHandwritten" panose="02000603000000000000" pitchFamily="2" charset="0"/>
+              </a:rPr>
+              <a:t>Guide</a:t>
             </a:r>
           </a:p>
         </p:txBody>
